--- a/Игра_преза.pptx
+++ b/Игра_преза.pptx
@@ -197,7 +197,7 @@
           <a:p>
             <a:fld id="{534FD0A0-2996-4A86-8B4F-CC64C33BDC76}" type="datetimeFigureOut">
               <a:rPr lang="ru-RU" smtClean="0"/>
-              <a:t>03.02.2025</a:t>
+              <a:t>06.02.2025</a:t>
             </a:fld>
             <a:endParaRPr lang="ru-RU"/>
           </a:p>
@@ -646,7 +646,7 @@
           <a:p>
             <a:fld id="{1FBA0AD9-454B-4441-84A9-5B585A46A1F6}" type="datetimeFigureOut">
               <a:rPr lang="ru-RU" smtClean="0"/>
-              <a:t>03.02.2025</a:t>
+              <a:t>06.02.2025</a:t>
             </a:fld>
             <a:endParaRPr lang="ru-RU"/>
           </a:p>
@@ -816,7 +816,7 @@
           <a:p>
             <a:fld id="{1FBA0AD9-454B-4441-84A9-5B585A46A1F6}" type="datetimeFigureOut">
               <a:rPr lang="ru-RU" smtClean="0"/>
-              <a:t>03.02.2025</a:t>
+              <a:t>06.02.2025</a:t>
             </a:fld>
             <a:endParaRPr lang="ru-RU"/>
           </a:p>
@@ -996,7 +996,7 @@
           <a:p>
             <a:fld id="{1FBA0AD9-454B-4441-84A9-5B585A46A1F6}" type="datetimeFigureOut">
               <a:rPr lang="ru-RU" smtClean="0"/>
-              <a:t>03.02.2025</a:t>
+              <a:t>06.02.2025</a:t>
             </a:fld>
             <a:endParaRPr lang="ru-RU"/>
           </a:p>
@@ -1166,7 +1166,7 @@
           <a:p>
             <a:fld id="{1FBA0AD9-454B-4441-84A9-5B585A46A1F6}" type="datetimeFigureOut">
               <a:rPr lang="ru-RU" smtClean="0"/>
-              <a:t>03.02.2025</a:t>
+              <a:t>06.02.2025</a:t>
             </a:fld>
             <a:endParaRPr lang="ru-RU"/>
           </a:p>
@@ -1412,7 +1412,7 @@
           <a:p>
             <a:fld id="{1FBA0AD9-454B-4441-84A9-5B585A46A1F6}" type="datetimeFigureOut">
               <a:rPr lang="ru-RU" smtClean="0"/>
-              <a:t>03.02.2025</a:t>
+              <a:t>06.02.2025</a:t>
             </a:fld>
             <a:endParaRPr lang="ru-RU"/>
           </a:p>
@@ -1700,7 +1700,7 @@
           <a:p>
             <a:fld id="{1FBA0AD9-454B-4441-84A9-5B585A46A1F6}" type="datetimeFigureOut">
               <a:rPr lang="ru-RU" smtClean="0"/>
-              <a:t>03.02.2025</a:t>
+              <a:t>06.02.2025</a:t>
             </a:fld>
             <a:endParaRPr lang="ru-RU"/>
           </a:p>
@@ -2122,7 +2122,7 @@
           <a:p>
             <a:fld id="{1FBA0AD9-454B-4441-84A9-5B585A46A1F6}" type="datetimeFigureOut">
               <a:rPr lang="ru-RU" smtClean="0"/>
-              <a:t>03.02.2025</a:t>
+              <a:t>06.02.2025</a:t>
             </a:fld>
             <a:endParaRPr lang="ru-RU"/>
           </a:p>
@@ -2240,7 +2240,7 @@
           <a:p>
             <a:fld id="{1FBA0AD9-454B-4441-84A9-5B585A46A1F6}" type="datetimeFigureOut">
               <a:rPr lang="ru-RU" smtClean="0"/>
-              <a:t>03.02.2025</a:t>
+              <a:t>06.02.2025</a:t>
             </a:fld>
             <a:endParaRPr lang="ru-RU"/>
           </a:p>
@@ -2335,7 +2335,7 @@
           <a:p>
             <a:fld id="{1FBA0AD9-454B-4441-84A9-5B585A46A1F6}" type="datetimeFigureOut">
               <a:rPr lang="ru-RU" smtClean="0"/>
-              <a:t>03.02.2025</a:t>
+              <a:t>06.02.2025</a:t>
             </a:fld>
             <a:endParaRPr lang="ru-RU"/>
           </a:p>
@@ -2612,7 +2612,7 @@
           <a:p>
             <a:fld id="{1FBA0AD9-454B-4441-84A9-5B585A46A1F6}" type="datetimeFigureOut">
               <a:rPr lang="ru-RU" smtClean="0"/>
-              <a:t>03.02.2025</a:t>
+              <a:t>06.02.2025</a:t>
             </a:fld>
             <a:endParaRPr lang="ru-RU"/>
           </a:p>
@@ -2865,7 +2865,7 @@
           <a:p>
             <a:fld id="{1FBA0AD9-454B-4441-84A9-5B585A46A1F6}" type="datetimeFigureOut">
               <a:rPr lang="ru-RU" smtClean="0"/>
-              <a:t>03.02.2025</a:t>
+              <a:t>06.02.2025</a:t>
             </a:fld>
             <a:endParaRPr lang="ru-RU"/>
           </a:p>
@@ -3078,7 +3078,7 @@
           <a:p>
             <a:fld id="{1FBA0AD9-454B-4441-84A9-5B585A46A1F6}" type="datetimeFigureOut">
               <a:rPr lang="ru-RU" smtClean="0"/>
-              <a:t>03.02.2025</a:t>
+              <a:t>06.02.2025</a:t>
             </a:fld>
             <a:endParaRPr lang="ru-RU"/>
           </a:p>
@@ -3477,11 +3477,7 @@
           <a:p>
             <a:r>
               <a:rPr lang="ru-RU" dirty="0" smtClean="0"/>
-              <a:t>Проект </a:t>
-            </a:r>
-            <a:r>
-              <a:rPr lang="ru-RU" dirty="0" smtClean="0"/>
-              <a:t>Тренажер </a:t>
+              <a:t>Проект Тренажер </a:t>
             </a:r>
             <a:r>
               <a:rPr lang="ru-RU" dirty="0"/>
@@ -4310,7 +4306,7 @@
         <p:spPr>
           <a:xfrm>
             <a:off x="467544" y="1700808"/>
-            <a:ext cx="7200800" cy="2308324"/>
+            <a:ext cx="7200800" cy="1938992"/>
           </a:xfrm>
           <a:prstGeom prst="rect">
             <a:avLst/>
@@ -4342,20 +4338,28 @@
           <a:p>
             <a:r>
               <a:rPr lang="ru-RU" sz="2400" dirty="0" smtClean="0"/>
-              <a:t>-Каждый уровень + 1 символ</a:t>
-            </a:r>
-          </a:p>
-          <a:p>
+              <a:t>-Каждый уровень + 1 </a:t>
+            </a:r>
             <a:r>
               <a:rPr lang="ru-RU" sz="2400" dirty="0" smtClean="0"/>
-              <a:t>-При проигрыше грустный эффект</a:t>
-            </a:r>
+              <a:t>символ</a:t>
+            </a:r>
+            <a:endParaRPr lang="ru-RU" sz="2400" dirty="0" smtClean="0"/>
           </a:p>
           <a:p>
             <a:r>
               <a:rPr lang="ru-RU" sz="2400" dirty="0" smtClean="0"/>
-              <a:t>-При победе на 10-ом уровне спецэффект</a:t>
-            </a:r>
+              <a:t>-При </a:t>
+            </a:r>
+            <a:r>
+              <a:rPr lang="ru-RU" sz="2400" dirty="0" smtClean="0"/>
+              <a:t>победе появляется </a:t>
+            </a:r>
+            <a:r>
+              <a:rPr lang="ru-RU" sz="2400" dirty="0" smtClean="0"/>
+              <a:t>спецэффект</a:t>
+            </a:r>
+            <a:endParaRPr lang="ru-RU" sz="2400" dirty="0" smtClean="0"/>
           </a:p>
           <a:p>
             <a:r>
@@ -4460,7 +4464,6 @@
               <a:rPr lang="ru-RU" sz="2400" dirty="0"/>
               <a:t>	</a:t>
             </a:r>
-            <a:endParaRPr lang="ru-RU" sz="2400" dirty="0"/>
           </a:p>
           <a:p>
             <a:pPr marL="0" indent="0">
@@ -4474,7 +4477,6 @@
               <a:rPr lang="en-US" sz="2400" dirty="0" smtClean="0"/>
               <a:t>main.py</a:t>
             </a:r>
-            <a:endParaRPr lang="en-US" sz="2400" dirty="0" smtClean="0"/>
           </a:p>
           <a:p>
             <a:pPr marL="0" indent="0">
@@ -4492,7 +4494,6 @@
               <a:rPr lang="ru-RU" sz="2400" dirty="0" smtClean="0"/>
               <a:t>Запустить файл в среде разработки</a:t>
             </a:r>
-            <a:endParaRPr lang="ru-RU" sz="2400" dirty="0" smtClean="0"/>
           </a:p>
           <a:p>
             <a:pPr marL="0" indent="0">
